--- a/962821104087NM.pptx
+++ b/962821104087NM.pptx
@@ -187,7 +187,7 @@
           <a:p>
             <a:fld id="{1D8BD707-D9CF-40AE-B4C6-C98DA3205C09}" type="datetimeFigureOut">
               <a:rPr lang="en-US"/>
-              <a:t>4/4/2024</a:t>
+              <a:t>4/5/2024</a:t>
             </a:fld>
             <a:endParaRPr lang="en-US"/>
           </a:p>
@@ -367,7 +367,7 @@
           <a:p>
             <a:fld id="{1D8BD707-D9CF-40AE-B4C6-C98DA3205C09}" type="datetimeFigureOut">
               <a:rPr lang="en-US"/>
-              <a:t>4/4/2024</a:t>
+              <a:t>4/5/2024</a:t>
             </a:fld>
             <a:endParaRPr lang="en-US"/>
           </a:p>
@@ -590,7 +590,7 @@
           <a:p>
             <a:fld id="{1D8BD707-D9CF-40AE-B4C6-C98DA3205C09}" type="datetimeFigureOut">
               <a:rPr lang="en-US"/>
-              <a:t>4/4/2024</a:t>
+              <a:t>4/5/2024</a:t>
             </a:fld>
             <a:endParaRPr lang="en-US"/>
           </a:p>
@@ -747,7 +747,7 @@
           <a:p>
             <a:fld id="{1D8BD707-D9CF-40AE-B4C6-C98DA3205C09}" type="datetimeFigureOut">
               <a:rPr lang="en-US"/>
-              <a:t>4/4/2024</a:t>
+              <a:t>4/5/2024</a:t>
             </a:fld>
             <a:endParaRPr lang="en-US"/>
           </a:p>
@@ -875,7 +875,7 @@
           <a:p>
             <a:fld id="{1D8BD707-D9CF-40AE-B4C6-C98DA3205C09}" type="datetimeFigureOut">
               <a:rPr lang="en-US"/>
-              <a:t>4/4/2024</a:t>
+              <a:t>4/5/2024</a:t>
             </a:fld>
             <a:endParaRPr lang="en-US"/>
           </a:p>
@@ -1594,7 +1594,7 @@
           <a:p>
             <a:fld id="{1D8BD707-D9CF-40AE-B4C6-C98DA3205C09}" type="datetimeFigureOut">
               <a:rPr lang="en-US"/>
-              <a:t>4/4/2024</a:t>
+              <a:t>4/5/2024</a:t>
             </a:fld>
             <a:endParaRPr lang="en-US"/>
           </a:p>
@@ -2069,8 +2069,8 @@
         </p:nvSpPr>
         <p:spPr>
           <a:xfrm>
-            <a:off x="5943600" y="2067305"/>
-            <a:ext cx="4876800" cy="632224"/>
+            <a:off x="3505200" y="2980726"/>
+            <a:ext cx="6781800" cy="1927451"/>
           </a:xfrm>
           <a:prstGeom prst="rect">
             <a:avLst/>
@@ -2091,79 +2091,124 @@
               </a:spcBef>
             </a:pPr>
             <a:r>
-              <a:rPr lang="en-US" sz="4000" dirty="0">
+              <a:rPr lang="en-US" sz="2000" dirty="0">
                 <a:latin typeface="Trebuchet MS"/>
                 <a:cs typeface="Trebuchet MS"/>
               </a:rPr>
-              <a:t>SHARON SHIFFY X S</a:t>
-            </a:r>
-            <a:endParaRPr sz="4000" dirty="0">
-              <a:latin typeface="Trebuchet MS"/>
-              <a:cs typeface="Trebuchet MS"/>
-            </a:endParaRPr>
-          </a:p>
-        </p:txBody>
-      </p:sp>
-      <p:sp>
-        <p:nvSpPr>
-          <p:cNvPr id="8" name="object 8"/>
-          <p:cNvSpPr txBox="1"/>
-          <p:nvPr/>
-        </p:nvSpPr>
-        <p:spPr>
-          <a:xfrm>
-            <a:off x="5943600" y="2821622"/>
-            <a:ext cx="3429000" cy="505267"/>
-          </a:xfrm>
-          <a:prstGeom prst="rect">
-            <a:avLst/>
-          </a:prstGeom>
-        </p:spPr>
-        <p:txBody>
-          <a:bodyPr vert="horz" wrap="square" lIns="0" tIns="12700" rIns="0" bIns="0" rtlCol="0">
-            <a:spAutoFit/>
-          </a:bodyPr>
-          <a:lstStyle/>
+              <a:t>Presented By: Sharon </a:t>
+            </a:r>
+            <a:r>
+              <a:rPr lang="en-US" sz="2000" dirty="0" err="1">
+                <a:latin typeface="Trebuchet MS"/>
+                <a:cs typeface="Trebuchet MS"/>
+              </a:rPr>
+              <a:t>Shiffy</a:t>
+            </a:r>
+            <a:r>
+              <a:rPr lang="en-US" sz="2000" dirty="0">
+                <a:latin typeface="Trebuchet MS"/>
+                <a:cs typeface="Trebuchet MS"/>
+              </a:rPr>
+              <a:t> X S</a:t>
+            </a:r>
+          </a:p>
           <a:p>
             <a:pPr marL="12700">
               <a:lnSpc>
                 <a:spcPct val="100000"/>
               </a:lnSpc>
               <a:spcBef>
-                <a:spcPts val="100"/>
+                <a:spcPts val="130"/>
               </a:spcBef>
             </a:pPr>
             <a:r>
-              <a:rPr sz="3200" b="1" dirty="0">
-                <a:solidFill>
-                  <a:srgbClr val="2D936B"/>
-                </a:solidFill>
+              <a:rPr lang="en-US" sz="2000" dirty="0">
                 <a:latin typeface="Trebuchet MS"/>
                 <a:cs typeface="Trebuchet MS"/>
               </a:rPr>
-              <a:t>Final</a:t>
-            </a:r>
-            <a:r>
-              <a:rPr sz="3200" b="1" spc="-40" dirty="0">
-                <a:solidFill>
-                  <a:srgbClr val="2D936B"/>
-                </a:solidFill>
+              <a:t>NM ID: au962821104087</a:t>
+            </a:r>
+          </a:p>
+          <a:p>
+            <a:pPr marL="12700">
+              <a:lnSpc>
+                <a:spcPct val="100000"/>
+              </a:lnSpc>
+              <a:spcBef>
+                <a:spcPts val="130"/>
+              </a:spcBef>
+            </a:pPr>
+            <a:r>
+              <a:rPr lang="en-US" sz="2000" dirty="0">
                 <a:latin typeface="Trebuchet MS"/>
                 <a:cs typeface="Trebuchet MS"/>
               </a:rPr>
-              <a:t> </a:t>
-            </a:r>
-            <a:r>
-              <a:rPr sz="3200" b="1" spc="-10" dirty="0">
-                <a:solidFill>
-                  <a:srgbClr val="2D936B"/>
-                </a:solidFill>
+              <a:t>Register Number: 962821104087</a:t>
+            </a:r>
+          </a:p>
+          <a:p>
+            <a:pPr marL="12700">
+              <a:lnSpc>
+                <a:spcPct val="100000"/>
+              </a:lnSpc>
+              <a:spcBef>
+                <a:spcPts val="130"/>
+              </a:spcBef>
+            </a:pPr>
+            <a:r>
+              <a:rPr lang="en-US" sz="2000" dirty="0">
                 <a:latin typeface="Trebuchet MS"/>
                 <a:cs typeface="Trebuchet MS"/>
               </a:rPr>
-              <a:t>Project</a:t>
-            </a:r>
-            <a:endParaRPr sz="3200" dirty="0">
+              <a:t>Email ID: </a:t>
+            </a:r>
+            <a:r>
+              <a:rPr lang="en-US" sz="2000" dirty="0">
+                <a:latin typeface="Trebuchet MS"/>
+                <a:cs typeface="Trebuchet MS"/>
+                <a:hlinkClick r:id="rId2"/>
+              </a:rPr>
+              <a:t>sharonshiffyngl@gmail.com</a:t>
+            </a:r>
+            <a:endParaRPr lang="en-US" sz="2000" dirty="0">
+              <a:latin typeface="Trebuchet MS"/>
+              <a:cs typeface="Trebuchet MS"/>
+            </a:endParaRPr>
+          </a:p>
+          <a:p>
+            <a:pPr marL="12700">
+              <a:lnSpc>
+                <a:spcPct val="100000"/>
+              </a:lnSpc>
+              <a:spcBef>
+                <a:spcPts val="130"/>
+              </a:spcBef>
+            </a:pPr>
+            <a:r>
+              <a:rPr lang="en-US" sz="2000" dirty="0">
+                <a:latin typeface="Trebuchet MS"/>
+                <a:cs typeface="Trebuchet MS"/>
+              </a:rPr>
+              <a:t>Department: Computer Science and Engineering</a:t>
+            </a:r>
+          </a:p>
+          <a:p>
+            <a:pPr marL="12700">
+              <a:lnSpc>
+                <a:spcPct val="100000"/>
+              </a:lnSpc>
+              <a:spcBef>
+                <a:spcPts val="130"/>
+              </a:spcBef>
+            </a:pPr>
+            <a:r>
+              <a:rPr lang="en-US" sz="2000" dirty="0">
+                <a:latin typeface="Trebuchet MS"/>
+                <a:cs typeface="Trebuchet MS"/>
+              </a:rPr>
+              <a:t>College Name: University College of Engineering Nagercoil</a:t>
+            </a:r>
+            <a:endParaRPr sz="2000" dirty="0">
               <a:latin typeface="Trebuchet MS"/>
               <a:cs typeface="Trebuchet MS"/>
             </a:endParaRPr>
@@ -2177,7 +2222,7 @@
           <p:nvPr/>
         </p:nvPicPr>
         <p:blipFill>
-          <a:blip r:embed="rId2" cstate="print"/>
+          <a:blip r:embed="rId3" cstate="print"/>
           <a:stretch>
             <a:fillRect/>
           </a:stretch>
@@ -2464,7 +2509,7 @@
         <p:spPr>
           <a:xfrm>
             <a:off x="762000" y="1507806"/>
-            <a:ext cx="8077200" cy="2344168"/>
+            <a:ext cx="8077200" cy="2805833"/>
           </a:xfrm>
           <a:prstGeom prst="rect">
             <a:avLst/>
@@ -2488,6 +2533,13 @@
               </a:rPr>
               <a:t>In summary, the result of this project is a powerful text-to-image generation system that empowers users to effortlessly create high-quality images from textual descriptions. This system has the potential to revolutionize content generation processes and unlock new opportunities for creative expression and communication.</a:t>
             </a:r>
+          </a:p>
+          <a:p>
+            <a:pPr>
+              <a:lnSpc>
+                <a:spcPct val="150000"/>
+              </a:lnSpc>
+            </a:pPr>
             <a:endParaRPr lang="en-IN" sz="2000" dirty="0">
               <a:latin typeface="Trebuchet MS" panose="020B0603020202020204" pitchFamily="34" charset="0"/>
             </a:endParaRPr>
@@ -2539,6 +2591,36 @@
           </a:p>
         </p:txBody>
       </p:sp>
+      <p:pic>
+        <p:nvPicPr>
+          <p:cNvPr id="11" name="Picture 10">
+            <a:extLst>
+              <a:ext uri="{FF2B5EF4-FFF2-40B4-BE49-F238E27FC236}">
+                <a16:creationId xmlns:a16="http://schemas.microsoft.com/office/drawing/2014/main" id="{8B2C5990-050F-0993-B644-D4224B1F7E08}"/>
+              </a:ext>
+            </a:extLst>
+          </p:cNvPr>
+          <p:cNvPicPr>
+            <a:picLocks noChangeAspect="1"/>
+          </p:cNvPicPr>
+          <p:nvPr/>
+        </p:nvPicPr>
+        <p:blipFill>
+          <a:blip r:embed="rId4"/>
+          <a:stretch>
+            <a:fillRect/>
+          </a:stretch>
+        </p:blipFill>
+        <p:spPr>
+          <a:xfrm>
+            <a:off x="8000894" y="3763389"/>
+            <a:ext cx="3581506" cy="3018411"/>
+          </a:xfrm>
+          <a:prstGeom prst="rect">
+            <a:avLst/>
+          </a:prstGeom>
+        </p:spPr>
+      </p:pic>
     </p:spTree>
   </p:cSld>
   <p:clrMapOvr>
@@ -3233,7 +3315,7 @@
         <p:spPr>
           <a:xfrm>
             <a:off x="558165" y="385444"/>
-            <a:ext cx="9728835" cy="1119216"/>
+            <a:ext cx="9728835" cy="1773241"/>
           </a:xfrm>
           <a:prstGeom prst="rect">
             <a:avLst/>
@@ -3255,7 +3337,7 @@
             </a:pPr>
             <a:r>
               <a:rPr lang="en-US" sz="4250" dirty="0"/>
-              <a:t>Text to Image Generation AI</a:t>
+              <a:t>Text to Image Generation AI using Transformers</a:t>
             </a:r>
             <a:endParaRPr sz="4250" dirty="0"/>
           </a:p>
